--- a/Analyzing Attributes of Songs by Decades.pptx
+++ b/Analyzing Attributes of Songs by Decades.pptx
@@ -13,11 +13,8 @@
     <p:sldId id="263" r:id="rId7"/>
     <p:sldId id="264" r:id="rId8"/>
     <p:sldId id="261" r:id="rId9"/>
-    <p:sldId id="265" r:id="rId10"/>
-    <p:sldId id="266" r:id="rId11"/>
-    <p:sldId id="267" r:id="rId12"/>
-    <p:sldId id="269" r:id="rId13"/>
-    <p:sldId id="270" r:id="rId14"/>
+    <p:sldId id="269" r:id="rId10"/>
+    <p:sldId id="270" r:id="rId11"/>
   </p:sldIdLst>
   <p:sldSz cx="12192000" cy="6858000"/>
   <p:notesSz cx="6858000" cy="9144000"/>
@@ -127,7 +124,7 @@
 <file path=ppt/revisionInfo.xml><?xml version="1.0" encoding="utf-8"?>
 <p1510:revInfo xmlns:a="http://schemas.openxmlformats.org/drawingml/2006/main" xmlns:r="http://schemas.openxmlformats.org/officeDocument/2006/relationships" xmlns:p1510="http://schemas.microsoft.com/office/powerpoint/2015/10/main">
   <p1510:revLst>
-    <p1510:client id="{F644129D-CD5D-4C15-9012-4FB778660FAA}" v="27" dt="2023-10-23T16:49:18.700"/>
+    <p1510:client id="{F644129D-CD5D-4C15-9012-4FB778660FAA}" v="31" dt="2023-10-23T23:29:46.558"/>
   </p1510:revLst>
 </p1510:revInfo>
 </file>
@@ -137,12 +134,12 @@
   <pc:docChgLst>
     <pc:chgData name="roxanne meyer" userId="20c9b0d18ecba281" providerId="LiveId" clId="{F644129D-CD5D-4C15-9012-4FB778660FAA}"/>
     <pc:docChg chg="undo redo custSel addSld delSld modSld sldOrd addMainMaster delMainMaster">
-      <pc:chgData name="roxanne meyer" userId="20c9b0d18ecba281" providerId="LiveId" clId="{F644129D-CD5D-4C15-9012-4FB778660FAA}" dt="2023-10-23T16:49:44.607" v="2517" actId="1076"/>
+      <pc:chgData name="roxanne meyer" userId="20c9b0d18ecba281" providerId="LiveId" clId="{F644129D-CD5D-4C15-9012-4FB778660FAA}" dt="2023-10-23T23:48:49.104" v="2544" actId="47"/>
       <pc:docMkLst>
         <pc:docMk/>
       </pc:docMkLst>
       <pc:sldChg chg="addSp delSp modSp mod setBg modClrScheme addAnim chgLayout">
-        <pc:chgData name="roxanne meyer" userId="20c9b0d18ecba281" providerId="LiveId" clId="{F644129D-CD5D-4C15-9012-4FB778660FAA}" dt="2023-10-20T03:04:57.788" v="2242" actId="20577"/>
+        <pc:chgData name="roxanne meyer" userId="20c9b0d18ecba281" providerId="LiveId" clId="{F644129D-CD5D-4C15-9012-4FB778660FAA}" dt="2023-10-23T23:29:46.557" v="2543" actId="20577"/>
         <pc:sldMkLst>
           <pc:docMk/>
           <pc:sldMk cId="1114051625" sldId="256"/>
@@ -156,7 +153,7 @@
           </ac:spMkLst>
         </pc:spChg>
         <pc:spChg chg="mod">
-          <ac:chgData name="roxanne meyer" userId="20c9b0d18ecba281" providerId="LiveId" clId="{F644129D-CD5D-4C15-9012-4FB778660FAA}" dt="2023-10-20T03:04:57.788" v="2242" actId="20577"/>
+          <ac:chgData name="roxanne meyer" userId="20c9b0d18ecba281" providerId="LiveId" clId="{F644129D-CD5D-4C15-9012-4FB778660FAA}" dt="2023-10-23T23:29:46.557" v="2543" actId="20577"/>
           <ac:spMkLst>
             <pc:docMk/>
             <pc:sldMk cId="1114051625" sldId="256"/>
@@ -213,7 +210,7 @@
         </pc:picChg>
       </pc:sldChg>
       <pc:sldChg chg="modSp new mod">
-        <pc:chgData name="roxanne meyer" userId="20c9b0d18ecba281" providerId="LiveId" clId="{F644129D-CD5D-4C15-9012-4FB778660FAA}" dt="2023-10-20T03:05:09.989" v="2252" actId="20577"/>
+        <pc:chgData name="roxanne meyer" userId="20c9b0d18ecba281" providerId="LiveId" clId="{F644129D-CD5D-4C15-9012-4FB778660FAA}" dt="2023-10-23T23:29:33.726" v="2539" actId="20577"/>
         <pc:sldMkLst>
           <pc:docMk/>
           <pc:sldMk cId="1297947444" sldId="257"/>
@@ -227,7 +224,7 @@
           </ac:spMkLst>
         </pc:spChg>
         <pc:spChg chg="mod">
-          <ac:chgData name="roxanne meyer" userId="20c9b0d18ecba281" providerId="LiveId" clId="{F644129D-CD5D-4C15-9012-4FB778660FAA}" dt="2023-10-20T03:05:09.989" v="2252" actId="20577"/>
+          <ac:chgData name="roxanne meyer" userId="20c9b0d18ecba281" providerId="LiveId" clId="{F644129D-CD5D-4C15-9012-4FB778660FAA}" dt="2023-10-23T23:29:33.726" v="2539" actId="20577"/>
           <ac:spMkLst>
             <pc:docMk/>
             <pc:sldMk cId="1297947444" sldId="257"/>
@@ -708,8 +705,8 @@
           </ac:cxnSpMkLst>
         </pc:cxnChg>
       </pc:sldChg>
-      <pc:sldChg chg="addSp delSp modSp new mod modClrScheme chgLayout">
-        <pc:chgData name="roxanne meyer" userId="20c9b0d18ecba281" providerId="LiveId" clId="{F644129D-CD5D-4C15-9012-4FB778660FAA}" dt="2023-10-23T16:49:02.594" v="2510" actId="208"/>
+      <pc:sldChg chg="addSp delSp modSp new del mod modClrScheme chgLayout">
+        <pc:chgData name="roxanne meyer" userId="20c9b0d18ecba281" providerId="LiveId" clId="{F644129D-CD5D-4C15-9012-4FB778660FAA}" dt="2023-10-23T23:48:49.104" v="2544" actId="47"/>
         <pc:sldMkLst>
           <pc:docMk/>
           <pc:sldMk cId="2986169131" sldId="265"/>
@@ -763,8 +760,8 @@
           </ac:picMkLst>
         </pc:picChg>
       </pc:sldChg>
-      <pc:sldChg chg="addSp delSp modSp add mod modClrScheme chgLayout">
-        <pc:chgData name="roxanne meyer" userId="20c9b0d18ecba281" providerId="LiveId" clId="{F644129D-CD5D-4C15-9012-4FB778660FAA}" dt="2023-10-23T16:49:14.922" v="2512" actId="1076"/>
+      <pc:sldChg chg="addSp delSp modSp add del mod modClrScheme chgLayout">
+        <pc:chgData name="roxanne meyer" userId="20c9b0d18ecba281" providerId="LiveId" clId="{F644129D-CD5D-4C15-9012-4FB778660FAA}" dt="2023-10-23T23:48:49.104" v="2544" actId="47"/>
         <pc:sldMkLst>
           <pc:docMk/>
           <pc:sldMk cId="272257113" sldId="266"/>
@@ -810,8 +807,8 @@
           </ac:picMkLst>
         </pc:picChg>
       </pc:sldChg>
-      <pc:sldChg chg="addSp delSp modSp add mod modClrScheme chgLayout">
-        <pc:chgData name="roxanne meyer" userId="20c9b0d18ecba281" providerId="LiveId" clId="{F644129D-CD5D-4C15-9012-4FB778660FAA}" dt="2023-10-23T16:49:44.607" v="2517" actId="1076"/>
+      <pc:sldChg chg="addSp delSp modSp add del mod modClrScheme chgLayout">
+        <pc:chgData name="roxanne meyer" userId="20c9b0d18ecba281" providerId="LiveId" clId="{F644129D-CD5D-4C15-9012-4FB778660FAA}" dt="2023-10-23T23:48:49.104" v="2544" actId="47"/>
         <pc:sldMkLst>
           <pc:docMk/>
           <pc:sldMk cId="193833812" sldId="267"/>
@@ -11343,7 +11340,7 @@
             </a:pPr>
             <a:r>
               <a:rPr lang="en-US" sz="1500" dirty="0"/>
-              <a:t>Jen </a:t>
+              <a:t>Dr. Jen </a:t>
             </a:r>
             <a:r>
               <a:rPr lang="en-US" sz="1500" dirty="0" err="1"/>
@@ -11836,912 +11833,6 @@
           <p:cNvPr id="2" name="Title 1">
             <a:extLst>
               <a:ext uri="{FF2B5EF4-FFF2-40B4-BE49-F238E27FC236}">
-                <a16:creationId xmlns:a16="http://schemas.microsoft.com/office/drawing/2014/main" id="{83BC0926-0324-4BB3-3A0E-14AFEEA63BA7}"/>
-              </a:ext>
-            </a:extLst>
-          </p:cNvPr>
-          <p:cNvSpPr>
-            <a:spLocks noGrp="1"/>
-          </p:cNvSpPr>
-          <p:nvPr>
-            <p:ph type="title"/>
-          </p:nvPr>
-        </p:nvSpPr>
-        <p:spPr/>
-        <p:txBody>
-          <a:bodyPr/>
-          <a:lstStyle/>
-          <a:p>
-            <a:r>
-              <a:rPr lang="en-US" dirty="0"/>
-              <a:t>Visualizations and Analysis (pt. 2)</a:t>
-            </a:r>
-          </a:p>
-        </p:txBody>
-      </p:sp>
-      <p:pic>
-        <p:nvPicPr>
-          <p:cNvPr id="6" name="Content Placeholder 5">
-            <a:extLst>
-              <a:ext uri="{FF2B5EF4-FFF2-40B4-BE49-F238E27FC236}">
-                <a16:creationId xmlns:a16="http://schemas.microsoft.com/office/drawing/2014/main" id="{0A79A586-FB85-B13C-0BF1-AF320E47B429}"/>
-              </a:ext>
-            </a:extLst>
-          </p:cNvPr>
-          <p:cNvPicPr>
-            <a:picLocks noGrp="1" noChangeAspect="1"/>
-          </p:cNvPicPr>
-          <p:nvPr>
-            <p:ph idx="1"/>
-          </p:nvPr>
-        </p:nvPicPr>
-        <p:blipFill>
-          <a:blip r:embed="rId2"/>
-          <a:stretch>
-            <a:fillRect/>
-          </a:stretch>
-        </p:blipFill>
-        <p:spPr>
-          <a:xfrm>
-            <a:off x="375567" y="1615440"/>
-            <a:ext cx="11430000" cy="4857750"/>
-          </a:xfrm>
-        </p:spPr>
-      </p:pic>
-      <p:sp>
-        <p:nvSpPr>
-          <p:cNvPr id="3" name="Rectangle 2">
-            <a:extLst>
-              <a:ext uri="{FF2B5EF4-FFF2-40B4-BE49-F238E27FC236}">
-                <a16:creationId xmlns:a16="http://schemas.microsoft.com/office/drawing/2014/main" id="{2F8C306C-FBDC-55E5-4A06-04B12B768584}"/>
-              </a:ext>
-            </a:extLst>
-          </p:cNvPr>
-          <p:cNvSpPr/>
-          <p:nvPr/>
-        </p:nvSpPr>
-        <p:spPr>
-          <a:xfrm>
-            <a:off x="2550160" y="2062480"/>
-            <a:ext cx="914400" cy="195580"/>
-          </a:xfrm>
-          <a:prstGeom prst="rect">
-            <a:avLst/>
-          </a:prstGeom>
-          <a:solidFill>
-            <a:schemeClr val="bg1"/>
-          </a:solidFill>
-          <a:ln>
-            <a:solidFill>
-              <a:schemeClr val="bg1"/>
-            </a:solidFill>
-          </a:ln>
-        </p:spPr>
-        <p:style>
-          <a:lnRef idx="2">
-            <a:schemeClr val="accent1">
-              <a:shade val="15000"/>
-            </a:schemeClr>
-          </a:lnRef>
-          <a:fillRef idx="1">
-            <a:schemeClr val="accent1"/>
-          </a:fillRef>
-          <a:effectRef idx="0">
-            <a:schemeClr val="accent1"/>
-          </a:effectRef>
-          <a:fontRef idx="minor">
-            <a:schemeClr val="lt1"/>
-          </a:fontRef>
-        </p:style>
-        <p:txBody>
-          <a:bodyPr rtlCol="0" anchor="ctr"/>
-          <a:lstStyle/>
-          <a:p>
-            <a:pPr algn="ctr"/>
-            <a:endParaRPr lang="en-US"/>
-          </a:p>
-        </p:txBody>
-      </p:sp>
-    </p:spTree>
-    <p:extLst>
-      <p:ext uri="{BB962C8B-B14F-4D97-AF65-F5344CB8AC3E}">
-        <p14:creationId xmlns:p14="http://schemas.microsoft.com/office/powerpoint/2010/main" val="272257113"/>
-      </p:ext>
-    </p:extLst>
-  </p:cSld>
-  <p:clrMapOvr>
-    <a:masterClrMapping/>
-  </p:clrMapOvr>
-</p:sld>
-</file>
-
-<file path=ppt/slides/slide11.xml><?xml version="1.0" encoding="utf-8"?>
-<p:sld xmlns:a="http://schemas.openxmlformats.org/drawingml/2006/main" xmlns:r="http://schemas.openxmlformats.org/officeDocument/2006/relationships" xmlns:p="http://schemas.openxmlformats.org/presentationml/2006/main">
-  <p:cSld>
-    <p:spTree>
-      <p:nvGrpSpPr>
-        <p:cNvPr id="1" name=""/>
-        <p:cNvGrpSpPr/>
-        <p:nvPr/>
-      </p:nvGrpSpPr>
-      <p:grpSpPr>
-        <a:xfrm>
-          <a:off x="0" y="0"/>
-          <a:ext cx="0" cy="0"/>
-          <a:chOff x="0" y="0"/>
-          <a:chExt cx="0" cy="0"/>
-        </a:xfrm>
-      </p:grpSpPr>
-      <p:sp>
-        <p:nvSpPr>
-          <p:cNvPr id="2" name="Title 1">
-            <a:extLst>
-              <a:ext uri="{FF2B5EF4-FFF2-40B4-BE49-F238E27FC236}">
-                <a16:creationId xmlns:a16="http://schemas.microsoft.com/office/drawing/2014/main" id="{83BC0926-0324-4BB3-3A0E-14AFEEA63BA7}"/>
-              </a:ext>
-            </a:extLst>
-          </p:cNvPr>
-          <p:cNvSpPr>
-            <a:spLocks noGrp="1"/>
-          </p:cNvSpPr>
-          <p:nvPr>
-            <p:ph type="title"/>
-          </p:nvPr>
-        </p:nvSpPr>
-        <p:spPr>
-          <a:xfrm>
-            <a:off x="540000" y="489200"/>
-            <a:ext cx="11101135" cy="1809500"/>
-          </a:xfrm>
-        </p:spPr>
-        <p:txBody>
-          <a:bodyPr/>
-          <a:lstStyle/>
-          <a:p>
-            <a:r>
-              <a:rPr lang="en-US" dirty="0"/>
-              <a:t>Visualizations and Analysis (pt. 3)</a:t>
-            </a:r>
-          </a:p>
-        </p:txBody>
-      </p:sp>
-      <p:pic>
-        <p:nvPicPr>
-          <p:cNvPr id="6" name="Content Placeholder 5" descr="A screenshot of a computer&#10;&#10;Description automatically generated">
-            <a:extLst>
-              <a:ext uri="{FF2B5EF4-FFF2-40B4-BE49-F238E27FC236}">
-                <a16:creationId xmlns:a16="http://schemas.microsoft.com/office/drawing/2014/main" id="{D30F823A-66FB-F80A-236C-9675FE020998}"/>
-              </a:ext>
-            </a:extLst>
-          </p:cNvPr>
-          <p:cNvPicPr>
-            <a:picLocks noGrp="1" noChangeAspect="1"/>
-          </p:cNvPicPr>
-          <p:nvPr>
-            <p:ph idx="1"/>
-          </p:nvPr>
-        </p:nvPicPr>
-        <p:blipFill rotWithShape="1">
-          <a:blip r:embed="rId2">
-            <a:extLst>
-              <a:ext uri="{28A0092B-C50C-407E-A947-70E740481C1C}">
-                <a14:useLocalDpi xmlns:a14="http://schemas.microsoft.com/office/drawing/2010/main" val="0"/>
-              </a:ext>
-            </a:extLst>
-          </a:blip>
-          <a:srcRect t="21529" r="31894"/>
-          <a:stretch/>
-        </p:blipFill>
-        <p:spPr>
-          <a:xfrm>
-            <a:off x="2192375" y="1693670"/>
-            <a:ext cx="7796383" cy="4764405"/>
-          </a:xfrm>
-        </p:spPr>
-      </p:pic>
-      <p:sp>
-        <p:nvSpPr>
-          <p:cNvPr id="3" name="Rectangle 2">
-            <a:extLst>
-              <a:ext uri="{FF2B5EF4-FFF2-40B4-BE49-F238E27FC236}">
-                <a16:creationId xmlns:a16="http://schemas.microsoft.com/office/drawing/2014/main" id="{56AA93DF-BBEE-C396-A90B-C18399EF4B08}"/>
-              </a:ext>
-            </a:extLst>
-          </p:cNvPr>
-          <p:cNvSpPr/>
-          <p:nvPr/>
-        </p:nvSpPr>
-        <p:spPr>
-          <a:xfrm>
-            <a:off x="3525520" y="1724910"/>
-            <a:ext cx="914400" cy="195580"/>
-          </a:xfrm>
-          <a:prstGeom prst="rect">
-            <a:avLst/>
-          </a:prstGeom>
-          <a:solidFill>
-            <a:schemeClr val="bg1"/>
-          </a:solidFill>
-          <a:ln>
-            <a:solidFill>
-              <a:schemeClr val="bg1"/>
-            </a:solidFill>
-          </a:ln>
-        </p:spPr>
-        <p:style>
-          <a:lnRef idx="2">
-            <a:schemeClr val="accent1">
-              <a:shade val="15000"/>
-            </a:schemeClr>
-          </a:lnRef>
-          <a:fillRef idx="1">
-            <a:schemeClr val="accent1"/>
-          </a:fillRef>
-          <a:effectRef idx="0">
-            <a:schemeClr val="accent1"/>
-          </a:effectRef>
-          <a:fontRef idx="minor">
-            <a:schemeClr val="lt1"/>
-          </a:fontRef>
-        </p:style>
-        <p:txBody>
-          <a:bodyPr rtlCol="0" anchor="ctr"/>
-          <a:lstStyle/>
-          <a:p>
-            <a:pPr algn="ctr"/>
-            <a:endParaRPr lang="en-US"/>
-          </a:p>
-        </p:txBody>
-      </p:sp>
-    </p:spTree>
-    <p:extLst>
-      <p:ext uri="{BB962C8B-B14F-4D97-AF65-F5344CB8AC3E}">
-        <p14:creationId xmlns:p14="http://schemas.microsoft.com/office/powerpoint/2010/main" val="193833812"/>
-      </p:ext>
-    </p:extLst>
-  </p:cSld>
-  <p:clrMapOvr>
-    <a:masterClrMapping/>
-  </p:clrMapOvr>
-</p:sld>
-</file>
-
-<file path=ppt/slides/slide12.xml><?xml version="1.0" encoding="utf-8"?>
-<p:sld xmlns:a="http://schemas.openxmlformats.org/drawingml/2006/main" xmlns:r="http://schemas.openxmlformats.org/officeDocument/2006/relationships" xmlns:p="http://schemas.openxmlformats.org/presentationml/2006/main">
-  <p:cSld>
-    <p:bg>
-      <p:bgPr>
-        <a:solidFill>
-          <a:schemeClr val="bg1"/>
-        </a:solidFill>
-        <a:effectLst/>
-      </p:bgPr>
-    </p:bg>
-    <p:spTree>
-      <p:nvGrpSpPr>
-        <p:cNvPr id="1" name=""/>
-        <p:cNvGrpSpPr/>
-        <p:nvPr/>
-      </p:nvGrpSpPr>
-      <p:grpSpPr>
-        <a:xfrm>
-          <a:off x="0" y="0"/>
-          <a:ext cx="0" cy="0"/>
-          <a:chOff x="0" y="0"/>
-          <a:chExt cx="0" cy="0"/>
-        </a:xfrm>
-      </p:grpSpPr>
-      <p:sp useBgFill="1">
-        <p:nvSpPr>
-          <p:cNvPr id="8" name="Rectangle 7">
-            <a:extLst>
-              <a:ext uri="{FF2B5EF4-FFF2-40B4-BE49-F238E27FC236}">
-                <a16:creationId xmlns:a16="http://schemas.microsoft.com/office/drawing/2014/main" id="{9B9AACA9-BD92-429F-8047-0731DB46F99F}"/>
-              </a:ext>
-              <a:ext uri="{C183D7F6-B498-43B3-948B-1728B52AA6E4}">
-                <adec:decorative xmlns:adec="http://schemas.microsoft.com/office/drawing/2017/decorative" val="1"/>
-              </a:ext>
-            </a:extLst>
-          </p:cNvPr>
-          <p:cNvSpPr>
-            <a:spLocks noGrp="1" noRot="1" noChangeAspect="1" noMove="1" noResize="1" noEditPoints="1" noAdjustHandles="1" noChangeArrowheads="1" noChangeShapeType="1" noTextEdit="1"/>
-          </p:cNvSpPr>
-          <p:nvPr>
-            <p:extLst>
-              <p:ext uri="{386F3935-93C4-4BCD-93E2-E3B085C9AB24}">
-                <p16:designElem xmlns:p16="http://schemas.microsoft.com/office/powerpoint/2015/main" val="1"/>
-              </p:ext>
-            </p:extLst>
-          </p:nvPr>
-        </p:nvSpPr>
-        <p:spPr>
-          <a:xfrm>
-            <a:off x="0" y="0"/>
-            <a:ext cx="12192000" cy="6858000"/>
-          </a:xfrm>
-          <a:prstGeom prst="rect">
-            <a:avLst/>
-          </a:prstGeom>
-          <a:ln w="12700" cap="flat" cmpd="sng" algn="ctr">
-            <a:noFill/>
-            <a:prstDash val="solid"/>
-            <a:miter lim="800000"/>
-          </a:ln>
-          <a:effectLst/>
-        </p:spPr>
-        <p:style>
-          <a:lnRef idx="2">
-            <a:schemeClr val="accent1">
-              <a:shade val="50000"/>
-            </a:schemeClr>
-          </a:lnRef>
-          <a:fillRef idx="1">
-            <a:schemeClr val="accent1"/>
-          </a:fillRef>
-          <a:effectRef idx="0">
-            <a:schemeClr val="accent1"/>
-          </a:effectRef>
-          <a:fontRef idx="minor">
-            <a:schemeClr val="lt1"/>
-          </a:fontRef>
-        </p:style>
-        <p:txBody>
-          <a:bodyPr rtlCol="0" anchor="ctr"/>
-          <a:lstStyle/>
-          <a:p>
-            <a:pPr algn="ctr"/>
-            <a:endParaRPr lang="en-US"/>
-          </a:p>
-        </p:txBody>
-      </p:sp>
-      <p:grpSp>
-        <p:nvGrpSpPr>
-          <p:cNvPr id="19" name="Group 18">
-            <a:extLst>
-              <a:ext uri="{FF2B5EF4-FFF2-40B4-BE49-F238E27FC236}">
-                <a16:creationId xmlns:a16="http://schemas.microsoft.com/office/drawing/2014/main" id="{B046D8F9-B18B-42F5-B320-22E156F4C0C8}"/>
-              </a:ext>
-              <a:ext uri="{C183D7F6-B498-43B3-948B-1728B52AA6E4}">
-                <adec:decorative xmlns:adec="http://schemas.microsoft.com/office/drawing/2017/decorative" val="1"/>
-              </a:ext>
-            </a:extLst>
-          </p:cNvPr>
-          <p:cNvGrpSpPr>
-            <a:grpSpLocks noGrp="1" noUngrp="1" noRot="1" noChangeAspect="1" noMove="1" noResize="1"/>
-          </p:cNvGrpSpPr>
-          <p:nvPr>
-            <p:extLst>
-              <p:ext uri="{386F3935-93C4-4BCD-93E2-E3B085C9AB24}">
-                <p16:designElem xmlns:p16="http://schemas.microsoft.com/office/powerpoint/2015/main" val="1"/>
-              </p:ext>
-            </p:extLst>
-          </p:nvPr>
-        </p:nvGrpSpPr>
-        <p:grpSpPr>
-          <a:xfrm>
-            <a:off x="0" y="0"/>
-            <a:ext cx="12192000" cy="6858000"/>
-            <a:chOff x="0" y="0"/>
-            <a:chExt cx="12192000" cy="6858000"/>
-          </a:xfrm>
-        </p:grpSpPr>
-        <p:sp>
-          <p:nvSpPr>
-            <p:cNvPr id="11" name="Rectangle 10">
-              <a:extLst>
-                <a:ext uri="{FF2B5EF4-FFF2-40B4-BE49-F238E27FC236}">
-                  <a16:creationId xmlns:a16="http://schemas.microsoft.com/office/drawing/2014/main" id="{3980DF08-8878-4A99-871A-573EBF4F37B2}"/>
-                </a:ext>
-                <a:ext uri="{C183D7F6-B498-43B3-948B-1728B52AA6E4}">
-                  <adec:decorative xmlns:adec="http://schemas.microsoft.com/office/drawing/2017/decorative" val="1"/>
-                </a:ext>
-              </a:extLst>
-            </p:cNvPr>
-            <p:cNvSpPr/>
-            <p:nvPr>
-              <p:extLst>
-                <p:ext uri="{386F3935-93C4-4BCD-93E2-E3B085C9AB24}">
-                  <p16:designElem xmlns:p16="http://schemas.microsoft.com/office/powerpoint/2015/main" val="1"/>
-                </p:ext>
-              </p:extLst>
-            </p:nvPr>
-          </p:nvSpPr>
-          <p:spPr>
-            <a:xfrm rot="10800000" flipH="1">
-              <a:off x="0" y="2019649"/>
-              <a:ext cx="4838350" cy="4838350"/>
-            </a:xfrm>
-            <a:prstGeom prst="rect">
-              <a:avLst/>
-            </a:prstGeom>
-            <a:gradFill flip="none" rotWithShape="1">
-              <a:gsLst>
-                <a:gs pos="0">
-                  <a:schemeClr val="accent1"/>
-                </a:gs>
-                <a:gs pos="60000">
-                  <a:schemeClr val="accent1">
-                    <a:alpha val="0"/>
-                  </a:schemeClr>
-                </a:gs>
-              </a:gsLst>
-              <a:path path="circle">
-                <a:fillToRect r="100000" b="100000"/>
-              </a:path>
-              <a:tileRect l="-100000" t="-100000"/>
-            </a:gradFill>
-            <a:ln w="12700" cap="flat" cmpd="sng" algn="ctr">
-              <a:noFill/>
-              <a:prstDash val="solid"/>
-              <a:miter lim="800000"/>
-            </a:ln>
-            <a:effectLst/>
-          </p:spPr>
-          <p:style>
-            <a:lnRef idx="2">
-              <a:schemeClr val="accent1">
-                <a:shade val="50000"/>
-              </a:schemeClr>
-            </a:lnRef>
-            <a:fillRef idx="1">
-              <a:schemeClr val="accent1"/>
-            </a:fillRef>
-            <a:effectRef idx="0">
-              <a:schemeClr val="accent1"/>
-            </a:effectRef>
-            <a:fontRef idx="minor">
-              <a:schemeClr val="lt1"/>
-            </a:fontRef>
-          </p:style>
-          <p:txBody>
-            <a:bodyPr rtlCol="0" anchor="ctr"/>
-            <a:lstStyle/>
-            <a:p>
-              <a:pPr algn="ctr"/>
-              <a:endParaRPr lang="en-US"/>
-            </a:p>
-          </p:txBody>
-        </p:sp>
-        <p:grpSp>
-          <p:nvGrpSpPr>
-            <p:cNvPr id="20" name="Group 19">
-              <a:extLst>
-                <a:ext uri="{FF2B5EF4-FFF2-40B4-BE49-F238E27FC236}">
-                  <a16:creationId xmlns:a16="http://schemas.microsoft.com/office/drawing/2014/main" id="{1E0FF3E7-007F-48E0-8352-89CE4375BB2D}"/>
-                </a:ext>
-                <a:ext uri="{C183D7F6-B498-43B3-948B-1728B52AA6E4}">
-                  <adec:decorative xmlns:adec="http://schemas.microsoft.com/office/drawing/2017/decorative" val="1"/>
-                </a:ext>
-              </a:extLst>
-            </p:cNvPr>
-            <p:cNvGrpSpPr>
-              <a:grpSpLocks noChangeAspect="1"/>
-            </p:cNvGrpSpPr>
-            <p:nvPr>
-              <p:extLst>
-                <p:ext uri="{386F3935-93C4-4BCD-93E2-E3B085C9AB24}">
-                  <p16:designElem xmlns:p16="http://schemas.microsoft.com/office/powerpoint/2015/main" val="1"/>
-                </p:ext>
-              </p:extLst>
-            </p:nvPr>
-          </p:nvGrpSpPr>
-          <p:grpSpPr>
-            <a:xfrm>
-              <a:off x="5603875" y="0"/>
-              <a:ext cx="6521820" cy="3260910"/>
-              <a:chOff x="0" y="0"/>
-              <a:chExt cx="2880000" cy="1440000"/>
-            </a:xfrm>
-          </p:grpSpPr>
-          <p:sp>
-            <p:nvSpPr>
-              <p:cNvPr id="21" name="Rectangle 20">
-                <a:extLst>
-                  <a:ext uri="{FF2B5EF4-FFF2-40B4-BE49-F238E27FC236}">
-                    <a16:creationId xmlns:a16="http://schemas.microsoft.com/office/drawing/2014/main" id="{F02DE4FC-8B38-40C7-A2F5-CBD4C6592E9A}"/>
-                  </a:ext>
-                  <a:ext uri="{C183D7F6-B498-43B3-948B-1728B52AA6E4}">
-                    <adec:decorative xmlns:adec="http://schemas.microsoft.com/office/drawing/2017/decorative" val="1"/>
-                  </a:ext>
-                </a:extLst>
-              </p:cNvPr>
-              <p:cNvSpPr/>
-              <p:nvPr>
-                <p:extLst>
-                  <p:ext uri="{386F3935-93C4-4BCD-93E2-E3B085C9AB24}">
-                    <p16:designElem xmlns:p16="http://schemas.microsoft.com/office/powerpoint/2015/main" val="1"/>
-                  </p:ext>
-                </p:extLst>
-              </p:nvPr>
-            </p:nvSpPr>
-            <p:spPr>
-              <a:xfrm>
-                <a:off x="1440000" y="0"/>
-                <a:ext cx="1440000" cy="1440000"/>
-              </a:xfrm>
-              <a:prstGeom prst="rect">
-                <a:avLst/>
-              </a:prstGeom>
-              <a:gradFill flip="none" rotWithShape="1">
-                <a:gsLst>
-                  <a:gs pos="0">
-                    <a:schemeClr val="accent2"/>
-                  </a:gs>
-                  <a:gs pos="60000">
-                    <a:schemeClr val="accent2">
-                      <a:alpha val="0"/>
-                    </a:schemeClr>
-                  </a:gs>
-                </a:gsLst>
-                <a:path path="circle">
-                  <a:fillToRect r="100000" b="100000"/>
-                </a:path>
-                <a:tileRect l="-100000" t="-100000"/>
-              </a:gradFill>
-              <a:ln w="12700" cap="flat" cmpd="sng" algn="ctr">
-                <a:noFill/>
-                <a:prstDash val="solid"/>
-                <a:miter lim="800000"/>
-              </a:ln>
-              <a:effectLst/>
-            </p:spPr>
-            <p:style>
-              <a:lnRef idx="2">
-                <a:schemeClr val="accent1">
-                  <a:shade val="50000"/>
-                </a:schemeClr>
-              </a:lnRef>
-              <a:fillRef idx="1">
-                <a:schemeClr val="accent1"/>
-              </a:fillRef>
-              <a:effectRef idx="0">
-                <a:schemeClr val="accent1"/>
-              </a:effectRef>
-              <a:fontRef idx="minor">
-                <a:schemeClr val="lt1"/>
-              </a:fontRef>
-            </p:style>
-            <p:txBody>
-              <a:bodyPr rtlCol="0" anchor="ctr"/>
-              <a:lstStyle/>
-              <a:p>
-                <a:pPr algn="ctr"/>
-                <a:endParaRPr lang="en-US"/>
-              </a:p>
-            </p:txBody>
-          </p:sp>
-          <p:sp>
-            <p:nvSpPr>
-              <p:cNvPr id="16" name="Rectangle 15">
-                <a:extLst>
-                  <a:ext uri="{FF2B5EF4-FFF2-40B4-BE49-F238E27FC236}">
-                    <a16:creationId xmlns:a16="http://schemas.microsoft.com/office/drawing/2014/main" id="{5C97C509-DDA4-4291-88B3-8E2B146099AB}"/>
-                  </a:ext>
-                  <a:ext uri="{C183D7F6-B498-43B3-948B-1728B52AA6E4}">
-                    <adec:decorative xmlns:adec="http://schemas.microsoft.com/office/drawing/2017/decorative" val="1"/>
-                  </a:ext>
-                </a:extLst>
-              </p:cNvPr>
-              <p:cNvSpPr/>
-              <p:nvPr>
-                <p:extLst>
-                  <p:ext uri="{386F3935-93C4-4BCD-93E2-E3B085C9AB24}">
-                    <p16:designElem xmlns:p16="http://schemas.microsoft.com/office/powerpoint/2015/main" val="1"/>
-                  </p:ext>
-                </p:extLst>
-              </p:nvPr>
-            </p:nvSpPr>
-            <p:spPr>
-              <a:xfrm flipH="1">
-                <a:off x="0" y="0"/>
-                <a:ext cx="1440000" cy="1440000"/>
-              </a:xfrm>
-              <a:prstGeom prst="rect">
-                <a:avLst/>
-              </a:prstGeom>
-              <a:gradFill flip="none" rotWithShape="1">
-                <a:gsLst>
-                  <a:gs pos="0">
-                    <a:schemeClr val="accent2"/>
-                  </a:gs>
-                  <a:gs pos="60000">
-                    <a:schemeClr val="accent2">
-                      <a:alpha val="0"/>
-                    </a:schemeClr>
-                  </a:gs>
-                </a:gsLst>
-                <a:path path="circle">
-                  <a:fillToRect r="100000" b="100000"/>
-                </a:path>
-                <a:tileRect l="-100000" t="-100000"/>
-              </a:gradFill>
-              <a:ln w="12700" cap="flat" cmpd="sng" algn="ctr">
-                <a:noFill/>
-                <a:prstDash val="solid"/>
-                <a:miter lim="800000"/>
-              </a:ln>
-              <a:effectLst/>
-            </p:spPr>
-            <p:style>
-              <a:lnRef idx="2">
-                <a:schemeClr val="accent1">
-                  <a:shade val="50000"/>
-                </a:schemeClr>
-              </a:lnRef>
-              <a:fillRef idx="1">
-                <a:schemeClr val="accent1"/>
-              </a:fillRef>
-              <a:effectRef idx="0">
-                <a:schemeClr val="accent1"/>
-              </a:effectRef>
-              <a:fontRef idx="minor">
-                <a:schemeClr val="lt1"/>
-              </a:fontRef>
-            </p:style>
-            <p:txBody>
-              <a:bodyPr rtlCol="0" anchor="ctr"/>
-              <a:lstStyle/>
-              <a:p>
-                <a:pPr algn="ctr"/>
-                <a:endParaRPr lang="en-US"/>
-              </a:p>
-            </p:txBody>
-          </p:sp>
-        </p:grpSp>
-        <p:sp>
-          <p:nvSpPr>
-            <p:cNvPr id="22" name="Rectangle 21">
-              <a:extLst>
-                <a:ext uri="{FF2B5EF4-FFF2-40B4-BE49-F238E27FC236}">
-                  <a16:creationId xmlns:a16="http://schemas.microsoft.com/office/drawing/2014/main" id="{96345897-50D9-424E-A94E-18A63AEE85BA}"/>
-                </a:ext>
-                <a:ext uri="{C183D7F6-B498-43B3-948B-1728B52AA6E4}">
-                  <adec:decorative xmlns:adec="http://schemas.microsoft.com/office/drawing/2017/decorative" val="1"/>
-                </a:ext>
-              </a:extLst>
-            </p:cNvPr>
-            <p:cNvSpPr>
-              <a:spLocks noChangeAspect="1"/>
-            </p:cNvSpPr>
-            <p:nvPr>
-              <p:extLst>
-                <p:ext uri="{386F3935-93C4-4BCD-93E2-E3B085C9AB24}">
-                  <p16:designElem xmlns:p16="http://schemas.microsoft.com/office/powerpoint/2015/main" val="1"/>
-                </p:ext>
-              </p:extLst>
-            </p:nvPr>
-          </p:nvSpPr>
-          <p:spPr>
-            <a:xfrm rot="5400000">
-              <a:off x="5334000" y="0"/>
-              <a:ext cx="6858000" cy="6858000"/>
-            </a:xfrm>
-            <a:prstGeom prst="rect">
-              <a:avLst/>
-            </a:prstGeom>
-            <a:gradFill flip="none" rotWithShape="1">
-              <a:gsLst>
-                <a:gs pos="0">
-                  <a:schemeClr val="accent3">
-                    <a:alpha val="60000"/>
-                  </a:schemeClr>
-                </a:gs>
-                <a:gs pos="60000">
-                  <a:schemeClr val="accent3">
-                    <a:alpha val="0"/>
-                  </a:schemeClr>
-                </a:gs>
-              </a:gsLst>
-              <a:path path="circle">
-                <a:fillToRect r="100000" b="100000"/>
-              </a:path>
-              <a:tileRect l="-100000" t="-100000"/>
-            </a:gradFill>
-            <a:ln w="12700" cap="flat" cmpd="sng" algn="ctr">
-              <a:noFill/>
-              <a:prstDash val="solid"/>
-              <a:miter lim="800000"/>
-            </a:ln>
-            <a:effectLst/>
-          </p:spPr>
-          <p:style>
-            <a:lnRef idx="2">
-              <a:schemeClr val="accent1">
-                <a:shade val="50000"/>
-              </a:schemeClr>
-            </a:lnRef>
-            <a:fillRef idx="1">
-              <a:schemeClr val="accent1"/>
-            </a:fillRef>
-            <a:effectRef idx="0">
-              <a:schemeClr val="accent1"/>
-            </a:effectRef>
-            <a:fontRef idx="minor">
-              <a:schemeClr val="lt1"/>
-            </a:fontRef>
-          </p:style>
-          <p:txBody>
-            <a:bodyPr rtlCol="0" anchor="ctr"/>
-            <a:lstStyle/>
-            <a:p>
-              <a:pPr algn="ctr"/>
-              <a:endParaRPr lang="en-US"/>
-            </a:p>
-          </p:txBody>
-        </p:sp>
-        <p:sp>
-          <p:nvSpPr>
-            <p:cNvPr id="23" name="Oval 22">
-              <a:extLst>
-                <a:ext uri="{FF2B5EF4-FFF2-40B4-BE49-F238E27FC236}">
-                  <a16:creationId xmlns:a16="http://schemas.microsoft.com/office/drawing/2014/main" id="{266E6E08-BABA-49E9-884E-4805849158E7}"/>
-                </a:ext>
-                <a:ext uri="{C183D7F6-B498-43B3-948B-1728B52AA6E4}">
-                  <adec:decorative xmlns:adec="http://schemas.microsoft.com/office/drawing/2017/decorative" val="1"/>
-                </a:ext>
-              </a:extLst>
-            </p:cNvPr>
-            <p:cNvSpPr>
-              <a:spLocks noChangeAspect="1"/>
-            </p:cNvSpPr>
-            <p:nvPr>
-              <p:extLst>
-                <p:ext uri="{386F3935-93C4-4BCD-93E2-E3B085C9AB24}">
-                  <p16:designElem xmlns:p16="http://schemas.microsoft.com/office/powerpoint/2015/main" val="1"/>
-                </p:ext>
-              </p:extLst>
-            </p:nvPr>
-          </p:nvSpPr>
-          <p:spPr>
-            <a:xfrm>
-              <a:off x="494887" y="2538000"/>
-              <a:ext cx="4320000" cy="4320000"/>
-            </a:xfrm>
-            <a:prstGeom prst="ellipse">
-              <a:avLst/>
-            </a:prstGeom>
-            <a:solidFill>
-              <a:schemeClr val="accent2">
-                <a:alpha val="20000"/>
-              </a:schemeClr>
-            </a:solidFill>
-            <a:ln>
-              <a:noFill/>
-            </a:ln>
-            <a:effectLst>
-              <a:softEdge rad="1016000"/>
-            </a:effectLst>
-          </p:spPr>
-          <p:style>
-            <a:lnRef idx="2">
-              <a:schemeClr val="accent1">
-                <a:shade val="50000"/>
-              </a:schemeClr>
-            </a:lnRef>
-            <a:fillRef idx="1">
-              <a:schemeClr val="accent1"/>
-            </a:fillRef>
-            <a:effectRef idx="0">
-              <a:schemeClr val="accent1"/>
-            </a:effectRef>
-            <a:fontRef idx="minor">
-              <a:schemeClr val="lt1"/>
-            </a:fontRef>
-          </p:style>
-          <p:txBody>
-            <a:bodyPr rtlCol="0" anchor="ctr"/>
-            <a:lstStyle/>
-            <a:p>
-              <a:pPr algn="ctr"/>
-              <a:endParaRPr lang="en-US"/>
-            </a:p>
-          </p:txBody>
-        </p:sp>
-      </p:grpSp>
-      <p:sp>
-        <p:nvSpPr>
-          <p:cNvPr id="2" name="Title 1">
-            <a:extLst>
-              <a:ext uri="{FF2B5EF4-FFF2-40B4-BE49-F238E27FC236}">
-                <a16:creationId xmlns:a16="http://schemas.microsoft.com/office/drawing/2014/main" id="{6E368881-BD9E-8EA9-FFFB-6D1108472C1F}"/>
-              </a:ext>
-            </a:extLst>
-          </p:cNvPr>
-          <p:cNvSpPr>
-            <a:spLocks noGrp="1"/>
-          </p:cNvSpPr>
-          <p:nvPr>
-            <p:ph type="ctrTitle"/>
-          </p:nvPr>
-        </p:nvSpPr>
-        <p:spPr>
-          <a:xfrm>
-            <a:off x="1487487" y="545126"/>
-            <a:ext cx="9217026" cy="3783988"/>
-          </a:xfrm>
-        </p:spPr>
-        <p:txBody>
-          <a:bodyPr>
-            <a:normAutofit/>
-          </a:bodyPr>
-          <a:lstStyle/>
-          <a:p>
-            <a:pPr algn="ctr"/>
-            <a:r>
-              <a:rPr lang="en-US"/>
-              <a:t>Questions and Answers</a:t>
-            </a:r>
-          </a:p>
-        </p:txBody>
-      </p:sp>
-      <p:sp>
-        <p:nvSpPr>
-          <p:cNvPr id="3" name="Subtitle 2">
-            <a:extLst>
-              <a:ext uri="{FF2B5EF4-FFF2-40B4-BE49-F238E27FC236}">
-                <a16:creationId xmlns:a16="http://schemas.microsoft.com/office/drawing/2014/main" id="{724A3AC8-4882-8D99-B243-76122FAD6005}"/>
-              </a:ext>
-            </a:extLst>
-          </p:cNvPr>
-          <p:cNvSpPr>
-            <a:spLocks noGrp="1"/>
-          </p:cNvSpPr>
-          <p:nvPr>
-            <p:ph type="subTitle" idx="1"/>
-          </p:nvPr>
-        </p:nvSpPr>
-        <p:spPr>
-          <a:xfrm>
-            <a:off x="1487488" y="4508501"/>
-            <a:ext cx="9155112" cy="1800224"/>
-          </a:xfrm>
-        </p:spPr>
-        <p:txBody>
-          <a:bodyPr>
-            <a:normAutofit/>
-          </a:bodyPr>
-          <a:lstStyle/>
-          <a:p>
-            <a:pPr algn="ctr"/>
-            <a:endParaRPr lang="en-US"/>
-          </a:p>
-        </p:txBody>
-      </p:sp>
-    </p:spTree>
-    <p:extLst>
-      <p:ext uri="{BB962C8B-B14F-4D97-AF65-F5344CB8AC3E}">
-        <p14:creationId xmlns:p14="http://schemas.microsoft.com/office/powerpoint/2010/main" val="648172106"/>
-      </p:ext>
-    </p:extLst>
-  </p:cSld>
-  <p:clrMapOvr>
-    <a:masterClrMapping/>
-  </p:clrMapOvr>
-</p:sld>
-</file>
-
-<file path=ppt/slides/slide13.xml><?xml version="1.0" encoding="utf-8"?>
-<p:sld xmlns:a="http://schemas.openxmlformats.org/drawingml/2006/main" xmlns:r="http://schemas.openxmlformats.org/officeDocument/2006/relationships" xmlns:p="http://schemas.openxmlformats.org/presentationml/2006/main">
-  <p:cSld>
-    <p:spTree>
-      <p:nvGrpSpPr>
-        <p:cNvPr id="1" name=""/>
-        <p:cNvGrpSpPr/>
-        <p:nvPr/>
-      </p:nvGrpSpPr>
-      <p:grpSpPr>
-        <a:xfrm>
-          <a:off x="0" y="0"/>
-          <a:ext cx="0" cy="0"/>
-          <a:chOff x="0" y="0"/>
-          <a:chExt cx="0" cy="0"/>
-        </a:xfrm>
-      </p:grpSpPr>
-      <p:sp>
-        <p:nvSpPr>
-          <p:cNvPr id="2" name="Title 1">
-            <a:extLst>
-              <a:ext uri="{FF2B5EF4-FFF2-40B4-BE49-F238E27FC236}">
                 <a16:creationId xmlns:a16="http://schemas.microsoft.com/office/drawing/2014/main" id="{3D3B95D2-FA7F-5D14-A90E-686BBB8178E4}"/>
               </a:ext>
             </a:extLst>
@@ -12897,6 +11988,51 @@
               <a:rPr lang="en-US" dirty="0"/>
               <a:t>Tasks</a:t>
             </a:r>
+          </a:p>
+          <a:p>
+            <a:pPr marL="342900" indent="-342900">
+              <a:buFont typeface="+mj-lt"/>
+              <a:buAutoNum type="arabicPeriod"/>
+            </a:pPr>
+            <a:r>
+              <a:rPr lang="en-US" dirty="0"/>
+              <a:t>Data (</a:t>
+            </a:r>
+            <a:r>
+              <a:rPr lang="en-US" dirty="0" err="1"/>
+              <a:t>cont</a:t>
+            </a:r>
+            <a:r>
+              <a:rPr lang="en-US" dirty="0"/>
+              <a:t>)</a:t>
+            </a:r>
+          </a:p>
+          <a:p>
+            <a:pPr marL="342900" indent="-342900">
+              <a:buFont typeface="+mj-lt"/>
+              <a:buAutoNum type="arabicPeriod"/>
+            </a:pPr>
+            <a:r>
+              <a:rPr lang="en-US" dirty="0"/>
+              <a:t>Demo</a:t>
+            </a:r>
+          </a:p>
+          <a:p>
+            <a:pPr marL="342900" indent="-342900">
+              <a:buFont typeface="+mj-lt"/>
+              <a:buAutoNum type="arabicPeriod"/>
+            </a:pPr>
+            <a:r>
+              <a:rPr lang="en-US" dirty="0"/>
+              <a:t>Q&amp;A</a:t>
+            </a:r>
+          </a:p>
+          <a:p>
+            <a:pPr marL="342900" indent="-342900">
+              <a:buFont typeface="+mj-lt"/>
+              <a:buAutoNum type="arabicPeriod"/>
+            </a:pPr>
+            <a:endParaRPr lang="en-US" dirty="0"/>
           </a:p>
         </p:txBody>
       </p:sp>
@@ -14935,6 +14071,14 @@
 <file path=ppt/slides/slide9.xml><?xml version="1.0" encoding="utf-8"?>
 <p:sld xmlns:a="http://schemas.openxmlformats.org/drawingml/2006/main" xmlns:r="http://schemas.openxmlformats.org/officeDocument/2006/relationships" xmlns:p="http://schemas.openxmlformats.org/presentationml/2006/main">
   <p:cSld>
+    <p:bg>
+      <p:bgPr>
+        <a:solidFill>
+          <a:schemeClr val="bg1"/>
+        </a:solidFill>
+        <a:effectLst/>
+      </p:bgPr>
+    </p:bg>
     <p:spTree>
       <p:nvGrpSpPr>
         <p:cNvPr id="1" name=""/>
@@ -14949,96 +14093,48 @@
           <a:chExt cx="0" cy="0"/>
         </a:xfrm>
       </p:grpSpPr>
-      <p:sp>
+      <p:sp useBgFill="1">
         <p:nvSpPr>
-          <p:cNvPr id="2" name="Title 1">
+          <p:cNvPr id="8" name="Rectangle 7">
             <a:extLst>
               <a:ext uri="{FF2B5EF4-FFF2-40B4-BE49-F238E27FC236}">
-                <a16:creationId xmlns:a16="http://schemas.microsoft.com/office/drawing/2014/main" id="{83BC0926-0324-4BB3-3A0E-14AFEEA63BA7}"/>
+                <a16:creationId xmlns:a16="http://schemas.microsoft.com/office/drawing/2014/main" id="{9B9AACA9-BD92-429F-8047-0731DB46F99F}"/>
+              </a:ext>
+              <a:ext uri="{C183D7F6-B498-43B3-948B-1728B52AA6E4}">
+                <adec:decorative xmlns:adec="http://schemas.microsoft.com/office/drawing/2017/decorative" val="1"/>
               </a:ext>
             </a:extLst>
           </p:cNvPr>
           <p:cNvSpPr>
-            <a:spLocks noGrp="1"/>
+            <a:spLocks noGrp="1" noRot="1" noChangeAspect="1" noMove="1" noResize="1" noEditPoints="1" noAdjustHandles="1" noChangeArrowheads="1" noChangeShapeType="1" noTextEdit="1"/>
           </p:cNvSpPr>
           <p:nvPr>
-            <p:ph type="title"/>
+            <p:extLst>
+              <p:ext uri="{386F3935-93C4-4BCD-93E2-E3B085C9AB24}">
+                <p16:designElem xmlns:p16="http://schemas.microsoft.com/office/powerpoint/2015/main" val="1"/>
+              </p:ext>
+            </p:extLst>
           </p:nvPr>
-        </p:nvSpPr>
-        <p:spPr/>
-        <p:txBody>
-          <a:bodyPr/>
-          <a:lstStyle/>
-          <a:p>
-            <a:r>
-              <a:rPr lang="en-US" dirty="0"/>
-              <a:t>Visualizations and Analysis (pt.1)</a:t>
-            </a:r>
-          </a:p>
-        </p:txBody>
-      </p:sp>
-      <p:pic>
-        <p:nvPicPr>
-          <p:cNvPr id="7" name="Content Placeholder 6">
-            <a:extLst>
-              <a:ext uri="{FF2B5EF4-FFF2-40B4-BE49-F238E27FC236}">
-                <a16:creationId xmlns:a16="http://schemas.microsoft.com/office/drawing/2014/main" id="{6C1108BC-D088-102B-54DC-F4F26A73D779}"/>
-              </a:ext>
-            </a:extLst>
-          </p:cNvPr>
-          <p:cNvPicPr>
-            <a:picLocks noGrp="1" noChangeAspect="1"/>
-          </p:cNvPicPr>
-          <p:nvPr>
-            <p:ph idx="1"/>
-          </p:nvPr>
-        </p:nvPicPr>
-        <p:blipFill>
-          <a:blip r:embed="rId2"/>
-          <a:stretch>
-            <a:fillRect/>
-          </a:stretch>
-        </p:blipFill>
-        <p:spPr>
-          <a:xfrm>
-            <a:off x="410640" y="1536848"/>
-            <a:ext cx="11430000" cy="4962864"/>
-          </a:xfrm>
-        </p:spPr>
-      </p:pic>
-      <p:sp>
-        <p:nvSpPr>
-          <p:cNvPr id="3" name="Rectangle 2">
-            <a:extLst>
-              <a:ext uri="{FF2B5EF4-FFF2-40B4-BE49-F238E27FC236}">
-                <a16:creationId xmlns:a16="http://schemas.microsoft.com/office/drawing/2014/main" id="{40263AD5-59F0-4B6D-17FF-62235F83AD35}"/>
-              </a:ext>
-            </a:extLst>
-          </p:cNvPr>
-          <p:cNvSpPr/>
-          <p:nvPr/>
         </p:nvSpPr>
         <p:spPr>
           <a:xfrm>
-            <a:off x="2641600" y="2153920"/>
-            <a:ext cx="914400" cy="195580"/>
+            <a:off x="0" y="0"/>
+            <a:ext cx="12192000" cy="6858000"/>
           </a:xfrm>
           <a:prstGeom prst="rect">
             <a:avLst/>
           </a:prstGeom>
-          <a:solidFill>
-            <a:schemeClr val="bg1"/>
-          </a:solidFill>
-          <a:ln>
-            <a:solidFill>
-              <a:schemeClr val="bg1"/>
-            </a:solidFill>
+          <a:ln w="12700" cap="flat" cmpd="sng" algn="ctr">
+            <a:noFill/>
+            <a:prstDash val="solid"/>
+            <a:miter lim="800000"/>
           </a:ln>
+          <a:effectLst/>
         </p:spPr>
         <p:style>
           <a:lnRef idx="2">
             <a:schemeClr val="accent1">
-              <a:shade val="15000"/>
+              <a:shade val="50000"/>
             </a:schemeClr>
           </a:lnRef>
           <a:fillRef idx="1">
@@ -15060,10 +14156,523 @@
           </a:p>
         </p:txBody>
       </p:sp>
+      <p:grpSp>
+        <p:nvGrpSpPr>
+          <p:cNvPr id="19" name="Group 18">
+            <a:extLst>
+              <a:ext uri="{FF2B5EF4-FFF2-40B4-BE49-F238E27FC236}">
+                <a16:creationId xmlns:a16="http://schemas.microsoft.com/office/drawing/2014/main" id="{B046D8F9-B18B-42F5-B320-22E156F4C0C8}"/>
+              </a:ext>
+              <a:ext uri="{C183D7F6-B498-43B3-948B-1728B52AA6E4}">
+                <adec:decorative xmlns:adec="http://schemas.microsoft.com/office/drawing/2017/decorative" val="1"/>
+              </a:ext>
+            </a:extLst>
+          </p:cNvPr>
+          <p:cNvGrpSpPr>
+            <a:grpSpLocks noGrp="1" noUngrp="1" noRot="1" noChangeAspect="1" noMove="1" noResize="1"/>
+          </p:cNvGrpSpPr>
+          <p:nvPr>
+            <p:extLst>
+              <p:ext uri="{386F3935-93C4-4BCD-93E2-E3B085C9AB24}">
+                <p16:designElem xmlns:p16="http://schemas.microsoft.com/office/powerpoint/2015/main" val="1"/>
+              </p:ext>
+            </p:extLst>
+          </p:nvPr>
+        </p:nvGrpSpPr>
+        <p:grpSpPr>
+          <a:xfrm>
+            <a:off x="0" y="0"/>
+            <a:ext cx="12192000" cy="6858000"/>
+            <a:chOff x="0" y="0"/>
+            <a:chExt cx="12192000" cy="6858000"/>
+          </a:xfrm>
+        </p:grpSpPr>
+        <p:sp>
+          <p:nvSpPr>
+            <p:cNvPr id="11" name="Rectangle 10">
+              <a:extLst>
+                <a:ext uri="{FF2B5EF4-FFF2-40B4-BE49-F238E27FC236}">
+                  <a16:creationId xmlns:a16="http://schemas.microsoft.com/office/drawing/2014/main" id="{3980DF08-8878-4A99-871A-573EBF4F37B2}"/>
+                </a:ext>
+                <a:ext uri="{C183D7F6-B498-43B3-948B-1728B52AA6E4}">
+                  <adec:decorative xmlns:adec="http://schemas.microsoft.com/office/drawing/2017/decorative" val="1"/>
+                </a:ext>
+              </a:extLst>
+            </p:cNvPr>
+            <p:cNvSpPr/>
+            <p:nvPr>
+              <p:extLst>
+                <p:ext uri="{386F3935-93C4-4BCD-93E2-E3B085C9AB24}">
+                  <p16:designElem xmlns:p16="http://schemas.microsoft.com/office/powerpoint/2015/main" val="1"/>
+                </p:ext>
+              </p:extLst>
+            </p:nvPr>
+          </p:nvSpPr>
+          <p:spPr>
+            <a:xfrm rot="10800000" flipH="1">
+              <a:off x="0" y="2019649"/>
+              <a:ext cx="4838350" cy="4838350"/>
+            </a:xfrm>
+            <a:prstGeom prst="rect">
+              <a:avLst/>
+            </a:prstGeom>
+            <a:gradFill flip="none" rotWithShape="1">
+              <a:gsLst>
+                <a:gs pos="0">
+                  <a:schemeClr val="accent1"/>
+                </a:gs>
+                <a:gs pos="60000">
+                  <a:schemeClr val="accent1">
+                    <a:alpha val="0"/>
+                  </a:schemeClr>
+                </a:gs>
+              </a:gsLst>
+              <a:path path="circle">
+                <a:fillToRect r="100000" b="100000"/>
+              </a:path>
+              <a:tileRect l="-100000" t="-100000"/>
+            </a:gradFill>
+            <a:ln w="12700" cap="flat" cmpd="sng" algn="ctr">
+              <a:noFill/>
+              <a:prstDash val="solid"/>
+              <a:miter lim="800000"/>
+            </a:ln>
+            <a:effectLst/>
+          </p:spPr>
+          <p:style>
+            <a:lnRef idx="2">
+              <a:schemeClr val="accent1">
+                <a:shade val="50000"/>
+              </a:schemeClr>
+            </a:lnRef>
+            <a:fillRef idx="1">
+              <a:schemeClr val="accent1"/>
+            </a:fillRef>
+            <a:effectRef idx="0">
+              <a:schemeClr val="accent1"/>
+            </a:effectRef>
+            <a:fontRef idx="minor">
+              <a:schemeClr val="lt1"/>
+            </a:fontRef>
+          </p:style>
+          <p:txBody>
+            <a:bodyPr rtlCol="0" anchor="ctr"/>
+            <a:lstStyle/>
+            <a:p>
+              <a:pPr algn="ctr"/>
+              <a:endParaRPr lang="en-US"/>
+            </a:p>
+          </p:txBody>
+        </p:sp>
+        <p:grpSp>
+          <p:nvGrpSpPr>
+            <p:cNvPr id="20" name="Group 19">
+              <a:extLst>
+                <a:ext uri="{FF2B5EF4-FFF2-40B4-BE49-F238E27FC236}">
+                  <a16:creationId xmlns:a16="http://schemas.microsoft.com/office/drawing/2014/main" id="{1E0FF3E7-007F-48E0-8352-89CE4375BB2D}"/>
+                </a:ext>
+                <a:ext uri="{C183D7F6-B498-43B3-948B-1728B52AA6E4}">
+                  <adec:decorative xmlns:adec="http://schemas.microsoft.com/office/drawing/2017/decorative" val="1"/>
+                </a:ext>
+              </a:extLst>
+            </p:cNvPr>
+            <p:cNvGrpSpPr>
+              <a:grpSpLocks noChangeAspect="1"/>
+            </p:cNvGrpSpPr>
+            <p:nvPr>
+              <p:extLst>
+                <p:ext uri="{386F3935-93C4-4BCD-93E2-E3B085C9AB24}">
+                  <p16:designElem xmlns:p16="http://schemas.microsoft.com/office/powerpoint/2015/main" val="1"/>
+                </p:ext>
+              </p:extLst>
+            </p:nvPr>
+          </p:nvGrpSpPr>
+          <p:grpSpPr>
+            <a:xfrm>
+              <a:off x="5603875" y="0"/>
+              <a:ext cx="6521820" cy="3260910"/>
+              <a:chOff x="0" y="0"/>
+              <a:chExt cx="2880000" cy="1440000"/>
+            </a:xfrm>
+          </p:grpSpPr>
+          <p:sp>
+            <p:nvSpPr>
+              <p:cNvPr id="21" name="Rectangle 20">
+                <a:extLst>
+                  <a:ext uri="{FF2B5EF4-FFF2-40B4-BE49-F238E27FC236}">
+                    <a16:creationId xmlns:a16="http://schemas.microsoft.com/office/drawing/2014/main" id="{F02DE4FC-8B38-40C7-A2F5-CBD4C6592E9A}"/>
+                  </a:ext>
+                  <a:ext uri="{C183D7F6-B498-43B3-948B-1728B52AA6E4}">
+                    <adec:decorative xmlns:adec="http://schemas.microsoft.com/office/drawing/2017/decorative" val="1"/>
+                  </a:ext>
+                </a:extLst>
+              </p:cNvPr>
+              <p:cNvSpPr/>
+              <p:nvPr>
+                <p:extLst>
+                  <p:ext uri="{386F3935-93C4-4BCD-93E2-E3B085C9AB24}">
+                    <p16:designElem xmlns:p16="http://schemas.microsoft.com/office/powerpoint/2015/main" val="1"/>
+                  </p:ext>
+                </p:extLst>
+              </p:nvPr>
+            </p:nvSpPr>
+            <p:spPr>
+              <a:xfrm>
+                <a:off x="1440000" y="0"/>
+                <a:ext cx="1440000" cy="1440000"/>
+              </a:xfrm>
+              <a:prstGeom prst="rect">
+                <a:avLst/>
+              </a:prstGeom>
+              <a:gradFill flip="none" rotWithShape="1">
+                <a:gsLst>
+                  <a:gs pos="0">
+                    <a:schemeClr val="accent2"/>
+                  </a:gs>
+                  <a:gs pos="60000">
+                    <a:schemeClr val="accent2">
+                      <a:alpha val="0"/>
+                    </a:schemeClr>
+                  </a:gs>
+                </a:gsLst>
+                <a:path path="circle">
+                  <a:fillToRect r="100000" b="100000"/>
+                </a:path>
+                <a:tileRect l="-100000" t="-100000"/>
+              </a:gradFill>
+              <a:ln w="12700" cap="flat" cmpd="sng" algn="ctr">
+                <a:noFill/>
+                <a:prstDash val="solid"/>
+                <a:miter lim="800000"/>
+              </a:ln>
+              <a:effectLst/>
+            </p:spPr>
+            <p:style>
+              <a:lnRef idx="2">
+                <a:schemeClr val="accent1">
+                  <a:shade val="50000"/>
+                </a:schemeClr>
+              </a:lnRef>
+              <a:fillRef idx="1">
+                <a:schemeClr val="accent1"/>
+              </a:fillRef>
+              <a:effectRef idx="0">
+                <a:schemeClr val="accent1"/>
+              </a:effectRef>
+              <a:fontRef idx="minor">
+                <a:schemeClr val="lt1"/>
+              </a:fontRef>
+            </p:style>
+            <p:txBody>
+              <a:bodyPr rtlCol="0" anchor="ctr"/>
+              <a:lstStyle/>
+              <a:p>
+                <a:pPr algn="ctr"/>
+                <a:endParaRPr lang="en-US"/>
+              </a:p>
+            </p:txBody>
+          </p:sp>
+          <p:sp>
+            <p:nvSpPr>
+              <p:cNvPr id="16" name="Rectangle 15">
+                <a:extLst>
+                  <a:ext uri="{FF2B5EF4-FFF2-40B4-BE49-F238E27FC236}">
+                    <a16:creationId xmlns:a16="http://schemas.microsoft.com/office/drawing/2014/main" id="{5C97C509-DDA4-4291-88B3-8E2B146099AB}"/>
+                  </a:ext>
+                  <a:ext uri="{C183D7F6-B498-43B3-948B-1728B52AA6E4}">
+                    <adec:decorative xmlns:adec="http://schemas.microsoft.com/office/drawing/2017/decorative" val="1"/>
+                  </a:ext>
+                </a:extLst>
+              </p:cNvPr>
+              <p:cNvSpPr/>
+              <p:nvPr>
+                <p:extLst>
+                  <p:ext uri="{386F3935-93C4-4BCD-93E2-E3B085C9AB24}">
+                    <p16:designElem xmlns:p16="http://schemas.microsoft.com/office/powerpoint/2015/main" val="1"/>
+                  </p:ext>
+                </p:extLst>
+              </p:nvPr>
+            </p:nvSpPr>
+            <p:spPr>
+              <a:xfrm flipH="1">
+                <a:off x="0" y="0"/>
+                <a:ext cx="1440000" cy="1440000"/>
+              </a:xfrm>
+              <a:prstGeom prst="rect">
+                <a:avLst/>
+              </a:prstGeom>
+              <a:gradFill flip="none" rotWithShape="1">
+                <a:gsLst>
+                  <a:gs pos="0">
+                    <a:schemeClr val="accent2"/>
+                  </a:gs>
+                  <a:gs pos="60000">
+                    <a:schemeClr val="accent2">
+                      <a:alpha val="0"/>
+                    </a:schemeClr>
+                  </a:gs>
+                </a:gsLst>
+                <a:path path="circle">
+                  <a:fillToRect r="100000" b="100000"/>
+                </a:path>
+                <a:tileRect l="-100000" t="-100000"/>
+              </a:gradFill>
+              <a:ln w="12700" cap="flat" cmpd="sng" algn="ctr">
+                <a:noFill/>
+                <a:prstDash val="solid"/>
+                <a:miter lim="800000"/>
+              </a:ln>
+              <a:effectLst/>
+            </p:spPr>
+            <p:style>
+              <a:lnRef idx="2">
+                <a:schemeClr val="accent1">
+                  <a:shade val="50000"/>
+                </a:schemeClr>
+              </a:lnRef>
+              <a:fillRef idx="1">
+                <a:schemeClr val="accent1"/>
+              </a:fillRef>
+              <a:effectRef idx="0">
+                <a:schemeClr val="accent1"/>
+              </a:effectRef>
+              <a:fontRef idx="minor">
+                <a:schemeClr val="lt1"/>
+              </a:fontRef>
+            </p:style>
+            <p:txBody>
+              <a:bodyPr rtlCol="0" anchor="ctr"/>
+              <a:lstStyle/>
+              <a:p>
+                <a:pPr algn="ctr"/>
+                <a:endParaRPr lang="en-US"/>
+              </a:p>
+            </p:txBody>
+          </p:sp>
+        </p:grpSp>
+        <p:sp>
+          <p:nvSpPr>
+            <p:cNvPr id="22" name="Rectangle 21">
+              <a:extLst>
+                <a:ext uri="{FF2B5EF4-FFF2-40B4-BE49-F238E27FC236}">
+                  <a16:creationId xmlns:a16="http://schemas.microsoft.com/office/drawing/2014/main" id="{96345897-50D9-424E-A94E-18A63AEE85BA}"/>
+                </a:ext>
+                <a:ext uri="{C183D7F6-B498-43B3-948B-1728B52AA6E4}">
+                  <adec:decorative xmlns:adec="http://schemas.microsoft.com/office/drawing/2017/decorative" val="1"/>
+                </a:ext>
+              </a:extLst>
+            </p:cNvPr>
+            <p:cNvSpPr>
+              <a:spLocks noChangeAspect="1"/>
+            </p:cNvSpPr>
+            <p:nvPr>
+              <p:extLst>
+                <p:ext uri="{386F3935-93C4-4BCD-93E2-E3B085C9AB24}">
+                  <p16:designElem xmlns:p16="http://schemas.microsoft.com/office/powerpoint/2015/main" val="1"/>
+                </p:ext>
+              </p:extLst>
+            </p:nvPr>
+          </p:nvSpPr>
+          <p:spPr>
+            <a:xfrm rot="5400000">
+              <a:off x="5334000" y="0"/>
+              <a:ext cx="6858000" cy="6858000"/>
+            </a:xfrm>
+            <a:prstGeom prst="rect">
+              <a:avLst/>
+            </a:prstGeom>
+            <a:gradFill flip="none" rotWithShape="1">
+              <a:gsLst>
+                <a:gs pos="0">
+                  <a:schemeClr val="accent3">
+                    <a:alpha val="60000"/>
+                  </a:schemeClr>
+                </a:gs>
+                <a:gs pos="60000">
+                  <a:schemeClr val="accent3">
+                    <a:alpha val="0"/>
+                  </a:schemeClr>
+                </a:gs>
+              </a:gsLst>
+              <a:path path="circle">
+                <a:fillToRect r="100000" b="100000"/>
+              </a:path>
+              <a:tileRect l="-100000" t="-100000"/>
+            </a:gradFill>
+            <a:ln w="12700" cap="flat" cmpd="sng" algn="ctr">
+              <a:noFill/>
+              <a:prstDash val="solid"/>
+              <a:miter lim="800000"/>
+            </a:ln>
+            <a:effectLst/>
+          </p:spPr>
+          <p:style>
+            <a:lnRef idx="2">
+              <a:schemeClr val="accent1">
+                <a:shade val="50000"/>
+              </a:schemeClr>
+            </a:lnRef>
+            <a:fillRef idx="1">
+              <a:schemeClr val="accent1"/>
+            </a:fillRef>
+            <a:effectRef idx="0">
+              <a:schemeClr val="accent1"/>
+            </a:effectRef>
+            <a:fontRef idx="minor">
+              <a:schemeClr val="lt1"/>
+            </a:fontRef>
+          </p:style>
+          <p:txBody>
+            <a:bodyPr rtlCol="0" anchor="ctr"/>
+            <a:lstStyle/>
+            <a:p>
+              <a:pPr algn="ctr"/>
+              <a:endParaRPr lang="en-US"/>
+            </a:p>
+          </p:txBody>
+        </p:sp>
+        <p:sp>
+          <p:nvSpPr>
+            <p:cNvPr id="23" name="Oval 22">
+              <a:extLst>
+                <a:ext uri="{FF2B5EF4-FFF2-40B4-BE49-F238E27FC236}">
+                  <a16:creationId xmlns:a16="http://schemas.microsoft.com/office/drawing/2014/main" id="{266E6E08-BABA-49E9-884E-4805849158E7}"/>
+                </a:ext>
+                <a:ext uri="{C183D7F6-B498-43B3-948B-1728B52AA6E4}">
+                  <adec:decorative xmlns:adec="http://schemas.microsoft.com/office/drawing/2017/decorative" val="1"/>
+                </a:ext>
+              </a:extLst>
+            </p:cNvPr>
+            <p:cNvSpPr>
+              <a:spLocks noChangeAspect="1"/>
+            </p:cNvSpPr>
+            <p:nvPr>
+              <p:extLst>
+                <p:ext uri="{386F3935-93C4-4BCD-93E2-E3B085C9AB24}">
+                  <p16:designElem xmlns:p16="http://schemas.microsoft.com/office/powerpoint/2015/main" val="1"/>
+                </p:ext>
+              </p:extLst>
+            </p:nvPr>
+          </p:nvSpPr>
+          <p:spPr>
+            <a:xfrm>
+              <a:off x="494887" y="2538000"/>
+              <a:ext cx="4320000" cy="4320000"/>
+            </a:xfrm>
+            <a:prstGeom prst="ellipse">
+              <a:avLst/>
+            </a:prstGeom>
+            <a:solidFill>
+              <a:schemeClr val="accent2">
+                <a:alpha val="20000"/>
+              </a:schemeClr>
+            </a:solidFill>
+            <a:ln>
+              <a:noFill/>
+            </a:ln>
+            <a:effectLst>
+              <a:softEdge rad="1016000"/>
+            </a:effectLst>
+          </p:spPr>
+          <p:style>
+            <a:lnRef idx="2">
+              <a:schemeClr val="accent1">
+                <a:shade val="50000"/>
+              </a:schemeClr>
+            </a:lnRef>
+            <a:fillRef idx="1">
+              <a:schemeClr val="accent1"/>
+            </a:fillRef>
+            <a:effectRef idx="0">
+              <a:schemeClr val="accent1"/>
+            </a:effectRef>
+            <a:fontRef idx="minor">
+              <a:schemeClr val="lt1"/>
+            </a:fontRef>
+          </p:style>
+          <p:txBody>
+            <a:bodyPr rtlCol="0" anchor="ctr"/>
+            <a:lstStyle/>
+            <a:p>
+              <a:pPr algn="ctr"/>
+              <a:endParaRPr lang="en-US"/>
+            </a:p>
+          </p:txBody>
+        </p:sp>
+      </p:grpSp>
+      <p:sp>
+        <p:nvSpPr>
+          <p:cNvPr id="2" name="Title 1">
+            <a:extLst>
+              <a:ext uri="{FF2B5EF4-FFF2-40B4-BE49-F238E27FC236}">
+                <a16:creationId xmlns:a16="http://schemas.microsoft.com/office/drawing/2014/main" id="{6E368881-BD9E-8EA9-FFFB-6D1108472C1F}"/>
+              </a:ext>
+            </a:extLst>
+          </p:cNvPr>
+          <p:cNvSpPr>
+            <a:spLocks noGrp="1"/>
+          </p:cNvSpPr>
+          <p:nvPr>
+            <p:ph type="ctrTitle"/>
+          </p:nvPr>
+        </p:nvSpPr>
+        <p:spPr>
+          <a:xfrm>
+            <a:off x="1487487" y="545126"/>
+            <a:ext cx="9217026" cy="3783988"/>
+          </a:xfrm>
+        </p:spPr>
+        <p:txBody>
+          <a:bodyPr>
+            <a:normAutofit/>
+          </a:bodyPr>
+          <a:lstStyle/>
+          <a:p>
+            <a:pPr algn="ctr"/>
+            <a:r>
+              <a:rPr lang="en-US"/>
+              <a:t>Questions and Answers</a:t>
+            </a:r>
+          </a:p>
+        </p:txBody>
+      </p:sp>
+      <p:sp>
+        <p:nvSpPr>
+          <p:cNvPr id="3" name="Subtitle 2">
+            <a:extLst>
+              <a:ext uri="{FF2B5EF4-FFF2-40B4-BE49-F238E27FC236}">
+                <a16:creationId xmlns:a16="http://schemas.microsoft.com/office/drawing/2014/main" id="{724A3AC8-4882-8D99-B243-76122FAD6005}"/>
+              </a:ext>
+            </a:extLst>
+          </p:cNvPr>
+          <p:cNvSpPr>
+            <a:spLocks noGrp="1"/>
+          </p:cNvSpPr>
+          <p:nvPr>
+            <p:ph type="subTitle" idx="1"/>
+          </p:nvPr>
+        </p:nvSpPr>
+        <p:spPr>
+          <a:xfrm>
+            <a:off x="1487488" y="4508501"/>
+            <a:ext cx="9155112" cy="1800224"/>
+          </a:xfrm>
+        </p:spPr>
+        <p:txBody>
+          <a:bodyPr>
+            <a:normAutofit/>
+          </a:bodyPr>
+          <a:lstStyle/>
+          <a:p>
+            <a:pPr algn="ctr"/>
+            <a:endParaRPr lang="en-US"/>
+          </a:p>
+        </p:txBody>
+      </p:sp>
     </p:spTree>
     <p:extLst>
       <p:ext uri="{BB962C8B-B14F-4D97-AF65-F5344CB8AC3E}">
-        <p14:creationId xmlns:p14="http://schemas.microsoft.com/office/powerpoint/2010/main" val="2986169131"/>
+        <p14:creationId xmlns:p14="http://schemas.microsoft.com/office/powerpoint/2010/main" val="648172106"/>
       </p:ext>
     </p:extLst>
   </p:cSld>
